--- a/wwwroot/GAPMoblize_Project_DryRun_2_27.pptx
+++ b/wwwroot/GAPMoblize_Project_DryRun_2_27.pptx
@@ -5,42 +5,43 @@
     <p:sldMasterId id="2147483666" r:id="rId1"/>
   </p:sldMasterIdLst>
   <p:notesMasterIdLst>
-    <p:notesMasterId r:id="rId20"/>
+    <p:notesMasterId r:id="rId21"/>
   </p:notesMasterIdLst>
   <p:sldIdLst>
     <p:sldId id="256" r:id="rId2"/>
-    <p:sldId id="257" r:id="rId3"/>
-    <p:sldId id="270" r:id="rId4"/>
-    <p:sldId id="276" r:id="rId5"/>
-    <p:sldId id="281" r:id="rId6"/>
-    <p:sldId id="278" r:id="rId7"/>
-    <p:sldId id="279" r:id="rId8"/>
-    <p:sldId id="280" r:id="rId9"/>
-    <p:sldId id="271" r:id="rId10"/>
-    <p:sldId id="266" r:id="rId11"/>
-    <p:sldId id="272" r:id="rId12"/>
-    <p:sldId id="274" r:id="rId13"/>
-    <p:sldId id="275" r:id="rId14"/>
-    <p:sldId id="277" r:id="rId15"/>
-    <p:sldId id="273" r:id="rId16"/>
-    <p:sldId id="282" r:id="rId17"/>
-    <p:sldId id="269" r:id="rId18"/>
-    <p:sldId id="260" r:id="rId19"/>
+    <p:sldId id="283" r:id="rId3"/>
+    <p:sldId id="257" r:id="rId4"/>
+    <p:sldId id="270" r:id="rId5"/>
+    <p:sldId id="276" r:id="rId6"/>
+    <p:sldId id="281" r:id="rId7"/>
+    <p:sldId id="278" r:id="rId8"/>
+    <p:sldId id="279" r:id="rId9"/>
+    <p:sldId id="280" r:id="rId10"/>
+    <p:sldId id="271" r:id="rId11"/>
+    <p:sldId id="266" r:id="rId12"/>
+    <p:sldId id="272" r:id="rId13"/>
+    <p:sldId id="274" r:id="rId14"/>
+    <p:sldId id="275" r:id="rId15"/>
+    <p:sldId id="277" r:id="rId16"/>
+    <p:sldId id="273" r:id="rId17"/>
+    <p:sldId id="282" r:id="rId18"/>
+    <p:sldId id="269" r:id="rId19"/>
+    <p:sldId id="260" r:id="rId20"/>
   </p:sldIdLst>
   <p:sldSz cx="12192000" cy="6858000"/>
   <p:notesSz cx="6858000" cy="9144000"/>
   <p:embeddedFontLst>
     <p:embeddedFont>
       <p:font typeface="Century Gothic" panose="020B0502020202020204" pitchFamily="34" charset="0"/>
-      <p:regular r:id="rId21"/>
-      <p:bold r:id="rId22"/>
-      <p:italic r:id="rId23"/>
-      <p:boldItalic r:id="rId24"/>
+      <p:regular r:id="rId22"/>
+      <p:bold r:id="rId23"/>
+      <p:italic r:id="rId24"/>
+      <p:boldItalic r:id="rId25"/>
     </p:embeddedFont>
     <p:embeddedFont>
       <p:font typeface="Play" panose="020B0604020202020204" charset="0"/>
-      <p:regular r:id="rId25"/>
-      <p:bold r:id="rId26"/>
+      <p:regular r:id="rId26"/>
+      <p:bold r:id="rId27"/>
     </p:embeddedFont>
   </p:embeddedFontLst>
   <p:defaultTextStyle>
@@ -143,7 +144,7 @@
       <p15:sldGuideLst xmlns:p15="http://schemas.microsoft.com/office/powerpoint/2012/main"/>
     </p:ext>
     <p:ext uri="GoogleSlidesCustomDataVersion2">
-      <go:slidesCustomData xmlns="" xmlns:mc="http://schemas.openxmlformats.org/markup-compatibility/2006" xmlns:mv="urn:schemas-microsoft-com:mac:vml" xmlns:c="http://schemas.openxmlformats.org/drawingml/2006/chart" xmlns:dgm="http://schemas.openxmlformats.org/drawingml/2006/diagram" xmlns:o="urn:schemas-microsoft-com:office:office" xmlns:v="urn:schemas-microsoft-com:vml" xmlns:pvml="urn:schemas-microsoft-com:office:powerpoint" xmlns:com="http://schemas.openxmlformats.org/drawingml/2006/compatibility" xmlns:p14="http://schemas.microsoft.com/office/powerpoint/2010/main" xmlns:p15="http://schemas.microsoft.com/office/powerpoint/2012/main" xmlns:ahyp="http://schemas.microsoft.com/office/drawing/2018/hyperlinkcolor" xmlns:go="http://customooxmlschemas.google.com/" r:id="rId27" roundtripDataSignature="AMtx7mhGT3lbFy52I47qpUfcLgyjprfeZQ=="/>
+      <go:slidesCustomData xmlns="" xmlns:mc="http://schemas.openxmlformats.org/markup-compatibility/2006" xmlns:mv="urn:schemas-microsoft-com:mac:vml" xmlns:c="http://schemas.openxmlformats.org/drawingml/2006/chart" xmlns:dgm="http://schemas.openxmlformats.org/drawingml/2006/diagram" xmlns:o="urn:schemas-microsoft-com:office:office" xmlns:v="urn:schemas-microsoft-com:vml" xmlns:pvml="urn:schemas-microsoft-com:office:powerpoint" xmlns:com="http://schemas.openxmlformats.org/drawingml/2006/compatibility" xmlns:p14="http://schemas.microsoft.com/office/powerpoint/2010/main" xmlns:p15="http://schemas.microsoft.com/office/powerpoint/2012/main" xmlns:ahyp="http://schemas.microsoft.com/office/drawing/2018/hyperlinkcolor" xmlns:go="http://customooxmlschemas.google.com/" r:id="rId28" roundtripDataSignature="AMtx7mhGT3lbFy52I47qpUfcLgyjprfeZQ=="/>
     </p:ext>
   </p:extLst>
 </p:presentation>
@@ -155,6 +156,80 @@
     <p1510:client id="{FF3296BC-A72C-4788-857E-FB80EF68B5BD}" v="66" dt="2024-02-27T16:51:51.424"/>
   </p1510:revLst>
 </p1510:revInfo>
+</file>
+
+<file path=ppt/changesInfos/changesInfo1.xml><?xml version="1.0" encoding="utf-8"?>
+<pc:chgInfo xmlns:a="http://schemas.openxmlformats.org/drawingml/2006/main" xmlns:r="http://schemas.openxmlformats.org/officeDocument/2006/relationships" xmlns:ac="http://schemas.microsoft.com/office/drawing/2013/main/command" xmlns:pc="http://schemas.microsoft.com/office/powerpoint/2013/main/command">
+  <pc:docChgLst>
+    <pc:chgData name="Greg Leake" userId="32827faac32acba3" providerId="LiveId" clId="{8656EB85-3D90-49AE-A343-8BFE0CE0C18E}"/>
+    <pc:docChg chg="undo custSel addSld delSld modSld">
+      <pc:chgData name="Greg Leake" userId="32827faac32acba3" providerId="LiveId" clId="{8656EB85-3D90-49AE-A343-8BFE0CE0C18E}" dt="2024-02-27T20:11:16.740" v="1056" actId="20577"/>
+      <pc:docMkLst>
+        <pc:docMk/>
+      </pc:docMkLst>
+      <pc:sldChg chg="modSp mod">
+        <pc:chgData name="Greg Leake" userId="32827faac32acba3" providerId="LiveId" clId="{8656EB85-3D90-49AE-A343-8BFE0CE0C18E}" dt="2024-02-27T20:11:16.740" v="1056" actId="20577"/>
+        <pc:sldMkLst>
+          <pc:docMk/>
+          <pc:sldMk cId="0" sldId="257"/>
+        </pc:sldMkLst>
+        <pc:spChg chg="mod">
+          <ac:chgData name="Greg Leake" userId="32827faac32acba3" providerId="LiveId" clId="{8656EB85-3D90-49AE-A343-8BFE0CE0C18E}" dt="2024-02-27T20:11:16.740" v="1056" actId="20577"/>
+          <ac:spMkLst>
+            <pc:docMk/>
+            <pc:sldMk cId="0" sldId="257"/>
+            <ac:spMk id="154" creationId="{00000000-0000-0000-0000-000000000000}"/>
+          </ac:spMkLst>
+        </pc:spChg>
+      </pc:sldChg>
+      <pc:sldChg chg="modSp new mod">
+        <pc:chgData name="Greg Leake" userId="32827faac32acba3" providerId="LiveId" clId="{8656EB85-3D90-49AE-A343-8BFE0CE0C18E}" dt="2024-02-27T18:43:11.440" v="1046" actId="6549"/>
+        <pc:sldMkLst>
+          <pc:docMk/>
+          <pc:sldMk cId="19859481" sldId="283"/>
+        </pc:sldMkLst>
+        <pc:spChg chg="mod">
+          <ac:chgData name="Greg Leake" userId="32827faac32acba3" providerId="LiveId" clId="{8656EB85-3D90-49AE-A343-8BFE0CE0C18E}" dt="2024-02-27T18:41:37.553" v="863" actId="404"/>
+          <ac:spMkLst>
+            <pc:docMk/>
+            <pc:sldMk cId="19859481" sldId="283"/>
+            <ac:spMk id="2" creationId="{6D884048-560E-E91C-ECB0-249DBDAF28F2}"/>
+          </ac:spMkLst>
+        </pc:spChg>
+        <pc:spChg chg="mod">
+          <ac:chgData name="Greg Leake" userId="32827faac32acba3" providerId="LiveId" clId="{8656EB85-3D90-49AE-A343-8BFE0CE0C18E}" dt="2024-02-27T18:43:11.440" v="1046" actId="6549"/>
+          <ac:spMkLst>
+            <pc:docMk/>
+            <pc:sldMk cId="19859481" sldId="283"/>
+            <ac:spMk id="3" creationId="{BF94A3BC-A33D-51AD-7434-4925EEAAF9C4}"/>
+          </ac:spMkLst>
+        </pc:spChg>
+      </pc:sldChg>
+      <pc:sldChg chg="modSp new del mod">
+        <pc:chgData name="Greg Leake" userId="32827faac32acba3" providerId="LiveId" clId="{8656EB85-3D90-49AE-A343-8BFE0CE0C18E}" dt="2024-02-27T18:38:45.868" v="449" actId="47"/>
+        <pc:sldMkLst>
+          <pc:docMk/>
+          <pc:sldMk cId="1729480433" sldId="284"/>
+        </pc:sldMkLst>
+        <pc:spChg chg="mod">
+          <ac:chgData name="Greg Leake" userId="32827faac32acba3" providerId="LiveId" clId="{8656EB85-3D90-49AE-A343-8BFE0CE0C18E}" dt="2024-02-27T18:38:38.801" v="448" actId="20577"/>
+          <ac:spMkLst>
+            <pc:docMk/>
+            <pc:sldMk cId="1729480433" sldId="284"/>
+            <ac:spMk id="2" creationId="{B8FBC302-C175-2179-C43A-B22C77B9415B}"/>
+          </ac:spMkLst>
+        </pc:spChg>
+      </pc:sldChg>
+      <pc:sldChg chg="add del">
+        <pc:chgData name="Greg Leake" userId="32827faac32acba3" providerId="LiveId" clId="{8656EB85-3D90-49AE-A343-8BFE0CE0C18E}" dt="2024-02-27T18:36:32.099" v="45" actId="2890"/>
+        <pc:sldMkLst>
+          <pc:docMk/>
+          <pc:sldMk cId="2508954865" sldId="284"/>
+        </pc:sldMkLst>
+      </pc:sldChg>
+    </pc:docChg>
+  </pc:docChgLst>
+</pc:chgInfo>
 </file>
 
 <file path=ppt/charts/chart1.xml><?xml version="1.0" encoding="utf-8"?>
@@ -7029,6 +7104,311 @@
       </p:grpSpPr>
       <p:sp>
         <p:nvSpPr>
+          <p:cNvPr id="3" name="Content Placeholder 2">
+            <a:extLst>
+              <a:ext uri="{FF2B5EF4-FFF2-40B4-BE49-F238E27FC236}">
+                <a16:creationId xmlns:a16="http://schemas.microsoft.com/office/drawing/2014/main" id="{C68ADEFC-8DC2-392F-1B83-7B396D803617}"/>
+              </a:ext>
+            </a:extLst>
+          </p:cNvPr>
+          <p:cNvSpPr>
+            <a:spLocks noGrp="1"/>
+          </p:cNvSpPr>
+          <p:nvPr>
+            <p:ph idx="1"/>
+          </p:nvPr>
+        </p:nvSpPr>
+        <p:spPr/>
+        <p:txBody>
+          <a:bodyPr>
+            <a:normAutofit fontScale="85000" lnSpcReduction="20000"/>
+          </a:bodyPr>
+          <a:lstStyle/>
+          <a:p>
+            <a:r>
+              <a:rPr lang="en-US" dirty="0">
+                <a:solidFill>
+                  <a:schemeClr val="bg1"/>
+                </a:solidFill>
+              </a:rPr>
+              <a:t>7 Forms total</a:t>
+            </a:r>
+          </a:p>
+          <a:p>
+            <a:pPr lvl="1"/>
+            <a:r>
+              <a:rPr lang="en-US" dirty="0">
+                <a:solidFill>
+                  <a:schemeClr val="bg1"/>
+                </a:solidFill>
+              </a:rPr>
+              <a:t>Simple application </a:t>
+            </a:r>
+          </a:p>
+          <a:p>
+            <a:pPr lvl="1"/>
+            <a:r>
+              <a:rPr lang="en-US" dirty="0">
+                <a:solidFill>
+                  <a:schemeClr val="bg1"/>
+                </a:solidFill>
+              </a:rPr>
+              <a:t>3923 lines of source</a:t>
+            </a:r>
+          </a:p>
+          <a:p>
+            <a:pPr lvl="1"/>
+            <a:r>
+              <a:rPr lang="en-US" dirty="0">
+                <a:solidFill>
+                  <a:schemeClr val="bg1"/>
+                </a:solidFill>
+              </a:rPr>
+              <a:t>Has business logic and database logic </a:t>
+            </a:r>
+          </a:p>
+          <a:p>
+            <a:pPr lvl="2"/>
+            <a:r>
+              <a:rPr lang="en-US" dirty="0">
+                <a:solidFill>
+                  <a:schemeClr val="bg1"/>
+                </a:solidFill>
+              </a:rPr>
+              <a:t>Two SQL Server databases</a:t>
+            </a:r>
+          </a:p>
+          <a:p>
+            <a:pPr lvl="2"/>
+            <a:r>
+              <a:rPr lang="en-US" dirty="0">
+                <a:solidFill>
+                  <a:schemeClr val="bg1"/>
+                </a:solidFill>
+              </a:rPr>
+              <a:t>Five tables total</a:t>
+            </a:r>
+          </a:p>
+          <a:p>
+            <a:r>
+              <a:rPr lang="en-US" dirty="0">
+                <a:solidFill>
+                  <a:schemeClr val="bg1"/>
+                </a:solidFill>
+              </a:rPr>
+              <a:t>Uses mix of MS </a:t>
+            </a:r>
+            <a:r>
+              <a:rPr lang="en-US" dirty="0" err="1">
+                <a:solidFill>
+                  <a:schemeClr val="bg1"/>
+                </a:solidFill>
+              </a:rPr>
+              <a:t>EntityFramework</a:t>
+            </a:r>
+            <a:r>
+              <a:rPr lang="en-US" dirty="0">
+                <a:solidFill>
+                  <a:schemeClr val="bg1"/>
+                </a:solidFill>
+              </a:rPr>
+              <a:t> 6.4.4 and ADO.NET for illustrative purposes</a:t>
+            </a:r>
+          </a:p>
+          <a:p>
+            <a:r>
+              <a:rPr lang="en-US" dirty="0">
+                <a:solidFill>
+                  <a:schemeClr val="bg1"/>
+                </a:solidFill>
+              </a:rPr>
+              <a:t>Not well factored</a:t>
+            </a:r>
+          </a:p>
+          <a:p>
+            <a:pPr lvl="1"/>
+            <a:r>
+              <a:rPr lang="en-US" dirty="0">
+                <a:solidFill>
+                  <a:schemeClr val="bg1"/>
+                </a:solidFill>
+              </a:rPr>
+              <a:t>Used drag/drop EF databinding via VS EF Wizard</a:t>
+            </a:r>
+          </a:p>
+          <a:p>
+            <a:pPr lvl="1"/>
+            <a:r>
+              <a:rPr lang="en-US" dirty="0">
+                <a:solidFill>
+                  <a:schemeClr val="bg1"/>
+                </a:solidFill>
+              </a:rPr>
+              <a:t>Some pure ADO.NET (Account Form)</a:t>
+            </a:r>
+          </a:p>
+          <a:p>
+            <a:pPr lvl="1"/>
+            <a:r>
+              <a:rPr lang="en-US" dirty="0">
+                <a:solidFill>
+                  <a:schemeClr val="bg1"/>
+                </a:solidFill>
+              </a:rPr>
+              <a:t>Database logic mixed in with VB.NET form logic, with 4 separate “logic classes”</a:t>
+            </a:r>
+          </a:p>
+          <a:p>
+            <a:pPr lvl="1"/>
+            <a:r>
+              <a:rPr lang="en-US" dirty="0">
+                <a:solidFill>
+                  <a:schemeClr val="bg1"/>
+                </a:solidFill>
+              </a:rPr>
+              <a:t>No separation of tiers (UI, Business Layer, Database Layer)</a:t>
+            </a:r>
+          </a:p>
+          <a:p>
+            <a:r>
+              <a:rPr lang="en-US" dirty="0">
+                <a:solidFill>
+                  <a:schemeClr val="bg1"/>
+                </a:solidFill>
+              </a:rPr>
+              <a:t>Limited VB controls, but UI has some formatting</a:t>
+            </a:r>
+          </a:p>
+          <a:p>
+            <a:pPr lvl="1"/>
+            <a:r>
+              <a:rPr lang="en-US" dirty="0">
+                <a:solidFill>
+                  <a:schemeClr val="bg1"/>
+                </a:solidFill>
+              </a:rPr>
+              <a:t>Background images, colors, fonts, etc.</a:t>
+            </a:r>
+          </a:p>
+          <a:p>
+            <a:endParaRPr lang="en-US" dirty="0">
+              <a:solidFill>
+                <a:schemeClr val="bg1"/>
+              </a:solidFill>
+            </a:endParaRPr>
+          </a:p>
+        </p:txBody>
+      </p:sp>
+      <p:sp>
+        <p:nvSpPr>
+          <p:cNvPr id="4" name="Google Shape;182;p25">
+            <a:extLst>
+              <a:ext uri="{FF2B5EF4-FFF2-40B4-BE49-F238E27FC236}">
+                <a16:creationId xmlns:a16="http://schemas.microsoft.com/office/drawing/2014/main" id="{ACE5ED8C-794B-C63E-96CB-5A9CAD3F7FF2}"/>
+              </a:ext>
+            </a:extLst>
+          </p:cNvPr>
+          <p:cNvSpPr txBox="1">
+            <a:spLocks noGrp="1"/>
+          </p:cNvSpPr>
+          <p:nvPr>
+            <p:ph type="title"/>
+          </p:nvPr>
+        </p:nvSpPr>
+        <p:spPr>
+          <a:xfrm>
+            <a:off x="838200" y="365125"/>
+            <a:ext cx="10515600" cy="1325563"/>
+          </a:xfrm>
+          <a:prstGeom prst="rect">
+            <a:avLst/>
+          </a:prstGeom>
+          <a:noFill/>
+          <a:ln>
+            <a:noFill/>
+          </a:ln>
+        </p:spPr>
+        <p:txBody>
+          <a:bodyPr spcFirstLastPara="1" wrap="square" lIns="91425" tIns="45700" rIns="91425" bIns="45700" anchor="t" anchorCtr="0">
+            <a:noAutofit/>
+          </a:bodyPr>
+          <a:lstStyle/>
+          <a:p>
+            <a:pPr marL="0" lvl="0" indent="0" algn="l" rtl="0">
+              <a:lnSpc>
+                <a:spcPct val="100000"/>
+              </a:lnSpc>
+              <a:spcBef>
+                <a:spcPts val="0"/>
+              </a:spcBef>
+              <a:spcAft>
+                <a:spcPts val="0"/>
+              </a:spcAft>
+              <a:buClr>
+                <a:schemeClr val="lt2"/>
+              </a:buClr>
+              <a:buSzPts val="4200"/>
+              <a:buFont typeface="Century Gothic"/>
+              <a:buNone/>
+            </a:pPr>
+            <a:r>
+              <a:rPr lang="en-US" dirty="0">
+                <a:solidFill>
+                  <a:schemeClr val="bg1"/>
+                </a:solidFill>
+              </a:rPr>
+              <a:t>The Source VB.NET Application</a:t>
+            </a:r>
+            <a:endParaRPr dirty="0">
+              <a:solidFill>
+                <a:schemeClr val="bg1"/>
+              </a:solidFill>
+            </a:endParaRPr>
+          </a:p>
+        </p:txBody>
+      </p:sp>
+    </p:spTree>
+    <p:extLst>
+      <p:ext uri="{BB962C8B-B14F-4D97-AF65-F5344CB8AC3E}">
+        <p14:creationId xmlns:p14="http://schemas.microsoft.com/office/powerpoint/2010/main" val="2731065330"/>
+      </p:ext>
+    </p:extLst>
+  </p:cSld>
+  <p:clrMapOvr>
+    <a:masterClrMapping/>
+  </p:clrMapOvr>
+</p:sld>
+</file>
+
+<file path=ppt/slides/slide11.xml><?xml version="1.0" encoding="utf-8"?>
+<p:sld xmlns:a="http://schemas.openxmlformats.org/drawingml/2006/main" xmlns:r="http://schemas.openxmlformats.org/officeDocument/2006/relationships" xmlns:p="http://schemas.openxmlformats.org/presentationml/2006/main">
+  <p:cSld>
+    <p:bg>
+      <p:bgPr>
+        <a:solidFill>
+          <a:schemeClr val="bg2">
+            <a:lumMod val="75000"/>
+          </a:schemeClr>
+        </a:solidFill>
+        <a:effectLst/>
+      </p:bgPr>
+    </p:bg>
+    <p:spTree>
+      <p:nvGrpSpPr>
+        <p:cNvPr id="1" name=""/>
+        <p:cNvGrpSpPr/>
+        <p:nvPr/>
+      </p:nvGrpSpPr>
+      <p:grpSpPr>
+        <a:xfrm>
+          <a:off x="0" y="0"/>
+          <a:ext cx="0" cy="0"/>
+          <a:chOff x="0" y="0"/>
+          <a:chExt cx="0" cy="0"/>
+        </a:xfrm>
+      </p:grpSpPr>
+      <p:sp>
+        <p:nvSpPr>
           <p:cNvPr id="2" name="Title 1">
             <a:extLst>
               <a:ext uri="{FF2B5EF4-FFF2-40B4-BE49-F238E27FC236}">
@@ -7152,7 +7532,7 @@
 </p:sld>
 </file>
 
-<file path=ppt/slides/slide11.xml><?xml version="1.0" encoding="utf-8"?>
+<file path=ppt/slides/slide12.xml><?xml version="1.0" encoding="utf-8"?>
 <p:sld xmlns:a="http://schemas.openxmlformats.org/drawingml/2006/main" xmlns:r="http://schemas.openxmlformats.org/officeDocument/2006/relationships" xmlns:p="http://schemas.openxmlformats.org/presentationml/2006/main">
   <p:cSld>
     <p:bg>
@@ -7230,7 +7610,7 @@
 </p:sld>
 </file>
 
-<file path=ppt/slides/slide12.xml><?xml version="1.0" encoding="utf-8"?>
+<file path=ppt/slides/slide13.xml><?xml version="1.0" encoding="utf-8"?>
 <p:sld xmlns:a="http://schemas.openxmlformats.org/drawingml/2006/main" xmlns:r="http://schemas.openxmlformats.org/officeDocument/2006/relationships" xmlns:p="http://schemas.openxmlformats.org/presentationml/2006/main">
   <p:cSld>
     <p:bg>
@@ -7499,7 +7879,7 @@
 </p:sld>
 </file>
 
-<file path=ppt/slides/slide13.xml><?xml version="1.0" encoding="utf-8"?>
+<file path=ppt/slides/slide14.xml><?xml version="1.0" encoding="utf-8"?>
 <p:sld xmlns:a="http://schemas.openxmlformats.org/drawingml/2006/main" xmlns:r="http://schemas.openxmlformats.org/officeDocument/2006/relationships" xmlns:p="http://schemas.openxmlformats.org/presentationml/2006/main">
   <p:cSld>
     <p:bg>
@@ -8096,7 +8476,7 @@
 </p:sld>
 </file>
 
-<file path=ppt/slides/slide14.xml><?xml version="1.0" encoding="utf-8"?>
+<file path=ppt/slides/slide15.xml><?xml version="1.0" encoding="utf-8"?>
 <p:sld xmlns:a="http://schemas.openxmlformats.org/drawingml/2006/main" xmlns:r="http://schemas.openxmlformats.org/officeDocument/2006/relationships" xmlns:p="http://schemas.openxmlformats.org/presentationml/2006/main">
   <p:cSld>
     <p:bg>
@@ -8174,7 +8554,7 @@
 </p:sld>
 </file>
 
-<file path=ppt/slides/slide15.xml><?xml version="1.0" encoding="utf-8"?>
+<file path=ppt/slides/slide16.xml><?xml version="1.0" encoding="utf-8"?>
 <p:sld xmlns:a="http://schemas.openxmlformats.org/drawingml/2006/main" xmlns:r="http://schemas.openxmlformats.org/officeDocument/2006/relationships" xmlns:p="http://schemas.openxmlformats.org/presentationml/2006/main">
   <p:cSld>
     <p:bg>
@@ -8252,7 +8632,7 @@
 </p:sld>
 </file>
 
-<file path=ppt/slides/slide16.xml><?xml version="1.0" encoding="utf-8"?>
+<file path=ppt/slides/slide17.xml><?xml version="1.0" encoding="utf-8"?>
 <p:sld xmlns:a="http://schemas.openxmlformats.org/drawingml/2006/main" xmlns:r="http://schemas.openxmlformats.org/officeDocument/2006/relationships" xmlns:p="http://schemas.openxmlformats.org/presentationml/2006/main">
   <p:cSld>
     <p:bg>
@@ -8378,7 +8758,7 @@
 </p:sld>
 </file>
 
-<file path=ppt/slides/slide17.xml><?xml version="1.0" encoding="utf-8"?>
+<file path=ppt/slides/slide18.xml><?xml version="1.0" encoding="utf-8"?>
 <p:sld xmlns:a="http://schemas.openxmlformats.org/drawingml/2006/main" xmlns:r="http://schemas.openxmlformats.org/officeDocument/2006/relationships" xmlns:p="http://schemas.openxmlformats.org/presentationml/2006/main">
   <p:cSld>
     <p:bg>
@@ -9019,7 +9399,7 @@
 </p:sld>
 </file>
 
-<file path=ppt/slides/slide18.xml><?xml version="1.0" encoding="utf-8"?>
+<file path=ppt/slides/slide19.xml><?xml version="1.0" encoding="utf-8"?>
 <p:sld xmlns:a="http://schemas.openxmlformats.org/drawingml/2006/main" xmlns:r="http://schemas.openxmlformats.org/officeDocument/2006/relationships" xmlns:p="http://schemas.openxmlformats.org/presentationml/2006/main">
   <p:cSld>
     <p:bg>
@@ -9768,6 +10148,244 @@
 </file>
 
 <file path=ppt/slides/slide2.xml><?xml version="1.0" encoding="utf-8"?>
+<p:sld xmlns:a="http://schemas.openxmlformats.org/drawingml/2006/main" xmlns:r="http://schemas.openxmlformats.org/officeDocument/2006/relationships" xmlns:p="http://schemas.openxmlformats.org/presentationml/2006/main">
+  <p:cSld>
+    <p:spTree>
+      <p:nvGrpSpPr>
+        <p:cNvPr id="1" name=""/>
+        <p:cNvGrpSpPr/>
+        <p:nvPr/>
+      </p:nvGrpSpPr>
+      <p:grpSpPr>
+        <a:xfrm>
+          <a:off x="0" y="0"/>
+          <a:ext cx="0" cy="0"/>
+          <a:chOff x="0" y="0"/>
+          <a:chExt cx="0" cy="0"/>
+        </a:xfrm>
+      </p:grpSpPr>
+      <p:sp>
+        <p:nvSpPr>
+          <p:cNvPr id="2" name="Title 1">
+            <a:extLst>
+              <a:ext uri="{FF2B5EF4-FFF2-40B4-BE49-F238E27FC236}">
+                <a16:creationId xmlns:a16="http://schemas.microsoft.com/office/drawing/2014/main" id="{6D884048-560E-E91C-ECB0-249DBDAF28F2}"/>
+              </a:ext>
+            </a:extLst>
+          </p:cNvPr>
+          <p:cNvSpPr>
+            <a:spLocks noGrp="1"/>
+          </p:cNvSpPr>
+          <p:nvPr>
+            <p:ph type="title"/>
+          </p:nvPr>
+        </p:nvSpPr>
+        <p:spPr/>
+        <p:txBody>
+          <a:bodyPr/>
+          <a:lstStyle/>
+          <a:p>
+            <a:r>
+              <a:rPr lang="en-US" dirty="0"/>
+              <a:t>Pre-Notes: To Resolve For This Dry Run</a:t>
+            </a:r>
+            <a:br>
+              <a:rPr lang="en-US" dirty="0"/>
+            </a:br>
+            <a:r>
+              <a:rPr lang="en-US" sz="2800" dirty="0">
+                <a:solidFill>
+                  <a:srgbClr val="FF0000"/>
+                </a:solidFill>
+              </a:rPr>
+              <a:t>[This slide to be removed for final ppt]</a:t>
+            </a:r>
+            <a:endParaRPr lang="en-US" dirty="0">
+              <a:solidFill>
+                <a:srgbClr val="FF0000"/>
+              </a:solidFill>
+            </a:endParaRPr>
+          </a:p>
+        </p:txBody>
+      </p:sp>
+      <p:sp>
+        <p:nvSpPr>
+          <p:cNvPr id="3" name="Content Placeholder 2">
+            <a:extLst>
+              <a:ext uri="{FF2B5EF4-FFF2-40B4-BE49-F238E27FC236}">
+                <a16:creationId xmlns:a16="http://schemas.microsoft.com/office/drawing/2014/main" id="{BF94A3BC-A33D-51AD-7434-4925EEAAF9C4}"/>
+              </a:ext>
+            </a:extLst>
+          </p:cNvPr>
+          <p:cNvSpPr>
+            <a:spLocks noGrp="1"/>
+          </p:cNvSpPr>
+          <p:nvPr>
+            <p:ph idx="1"/>
+          </p:nvPr>
+        </p:nvSpPr>
+        <p:spPr/>
+        <p:txBody>
+          <a:bodyPr>
+            <a:normAutofit fontScale="62500" lnSpcReduction="20000"/>
+          </a:bodyPr>
+          <a:lstStyle/>
+          <a:p>
+            <a:r>
+              <a:rPr lang="en-US" dirty="0"/>
+              <a:t>Need Dee </a:t>
+            </a:r>
+            <a:r>
+              <a:rPr lang="en-US" dirty="0" err="1"/>
+              <a:t>Dee</a:t>
+            </a:r>
+            <a:r>
+              <a:rPr lang="en-US" dirty="0"/>
+              <a:t> and Robert Git Usernames, to add	</a:t>
+            </a:r>
+          </a:p>
+          <a:p>
+            <a:pPr lvl="1"/>
+            <a:r>
+              <a:rPr lang="en-US" dirty="0"/>
+              <a:t>For read access to checked in repositories, to clone/own</a:t>
+            </a:r>
+          </a:p>
+          <a:p>
+            <a:r>
+              <a:rPr lang="en-US" dirty="0"/>
+              <a:t>Feedback of course</a:t>
+            </a:r>
+          </a:p>
+          <a:p>
+            <a:pPr lvl="1"/>
+            <a:r>
+              <a:rPr lang="en-US" dirty="0"/>
+              <a:t>I can add some discrete examples of key interactions</a:t>
+            </a:r>
+          </a:p>
+          <a:p>
+            <a:pPr lvl="1"/>
+            <a:r>
+              <a:rPr lang="en-US" dirty="0"/>
+              <a:t>Including Context Setting in ChatGTP, how long lasts</a:t>
+            </a:r>
+          </a:p>
+          <a:p>
+            <a:pPr lvl="1"/>
+            <a:r>
+              <a:rPr lang="en-US" dirty="0"/>
+              <a:t>And some specific migration samples (from master doc), illustrative</a:t>
+            </a:r>
+          </a:p>
+          <a:p>
+            <a:r>
+              <a:rPr lang="en-US" dirty="0"/>
+              <a:t>Are my timings right?</a:t>
+            </a:r>
+          </a:p>
+          <a:p>
+            <a:pPr lvl="1"/>
+            <a:r>
+              <a:rPr lang="en-US" dirty="0"/>
+              <a:t>Assume 10-15 mins demos total for both apps (source, target)</a:t>
+            </a:r>
+          </a:p>
+          <a:p>
+            <a:pPr lvl="2"/>
+            <a:r>
+              <a:rPr lang="en-US" dirty="0"/>
+              <a:t>With discussion</a:t>
+            </a:r>
+          </a:p>
+          <a:p>
+            <a:pPr lvl="1"/>
+            <a:r>
+              <a:rPr lang="en-US" dirty="0"/>
+              <a:t>Slides/number/visual feedback, other feedback etc.</a:t>
+            </a:r>
+          </a:p>
+          <a:p>
+            <a:pPr lvl="1"/>
+            <a:r>
+              <a:rPr lang="en-US" dirty="0"/>
+              <a:t>QA (how much time to leave—though will be interactive invite any/all questions during)</a:t>
+            </a:r>
+          </a:p>
+          <a:p>
+            <a:r>
+              <a:rPr lang="en-US" dirty="0"/>
+              <a:t>Need resources slide w/ links to Git, which includes two projects</a:t>
+            </a:r>
+          </a:p>
+          <a:p>
+            <a:pPr lvl="1"/>
+            <a:r>
+              <a:rPr lang="en-US" dirty="0"/>
+              <a:t>Source </a:t>
+            </a:r>
+            <a:r>
+              <a:rPr lang="en-US" dirty="0" err="1"/>
+              <a:t>WindowsTradeApp</a:t>
+            </a:r>
+            <a:endParaRPr lang="en-US" dirty="0"/>
+          </a:p>
+          <a:p>
+            <a:pPr lvl="1"/>
+            <a:r>
+              <a:rPr lang="en-US" dirty="0"/>
+              <a:t>Target </a:t>
+            </a:r>
+            <a:r>
+              <a:rPr lang="en-US" dirty="0" err="1"/>
+              <a:t>TradeBlazorApp</a:t>
+            </a:r>
+            <a:endParaRPr lang="en-US" dirty="0"/>
+          </a:p>
+          <a:p>
+            <a:r>
+              <a:rPr lang="en-US" dirty="0"/>
+              <a:t>Note </a:t>
+            </a:r>
+            <a:r>
+              <a:rPr lang="en-US" dirty="0" err="1"/>
+              <a:t>TradeBlazor</a:t>
+            </a:r>
+            <a:r>
+              <a:rPr lang="en-US" dirty="0"/>
+              <a:t> target app already includes download links for both docs</a:t>
+            </a:r>
+          </a:p>
+          <a:p>
+            <a:pPr lvl="1"/>
+            <a:r>
+              <a:rPr lang="en-US" dirty="0"/>
+              <a:t>Main Word Doc/Step by/Step/Notes</a:t>
+            </a:r>
+          </a:p>
+          <a:p>
+            <a:pPr lvl="1"/>
+            <a:r>
+              <a:rPr lang="en-US" dirty="0"/>
+              <a:t>This PPT</a:t>
+            </a:r>
+          </a:p>
+        </p:txBody>
+      </p:sp>
+    </p:spTree>
+    <p:extLst>
+      <p:ext uri="{BB962C8B-B14F-4D97-AF65-F5344CB8AC3E}">
+        <p14:creationId xmlns:p14="http://schemas.microsoft.com/office/powerpoint/2010/main" val="19859481"/>
+      </p:ext>
+    </p:extLst>
+  </p:cSld>
+  <p:clrMapOvr>
+    <a:masterClrMapping/>
+  </p:clrMapOvr>
+</p:sld>
+</file>
+
+<file path=ppt/slides/slide3.xml><?xml version="1.0" encoding="utf-8"?>
 <p:sld xmlns:a="http://schemas.openxmlformats.org/drawingml/2006/main" xmlns:r="http://schemas.openxmlformats.org/officeDocument/2006/relationships" xmlns:p="http://schemas.openxmlformats.org/presentationml/2006/main">
   <p:cSld>
     <p:bg>
@@ -10004,7 +10622,29 @@
                 <a:cs typeface="Arial"/>
                 <a:sym typeface="Arial"/>
               </a:rPr>
-              <a:t>Start with a simple VB.NET Web Application (.NET 4.8)</a:t>
+              <a:t>Start with a simple VB.</a:t>
+            </a:r>
+            <a:r>
+              <a:rPr lang="en-US" sz="1800" b="0" i="0" u="none" strike="noStrike">
+                <a:solidFill>
+                  <a:schemeClr val="bg1"/>
+                </a:solidFill>
+                <a:ea typeface="Arial"/>
+                <a:cs typeface="Arial"/>
+                <a:sym typeface="Arial"/>
+              </a:rPr>
+              <a:t>NET WinForms </a:t>
+            </a:r>
+            <a:r>
+              <a:rPr lang="en-US" sz="1800" b="0" i="0" u="none" strike="noStrike" dirty="0">
+                <a:solidFill>
+                  <a:schemeClr val="bg1"/>
+                </a:solidFill>
+                <a:ea typeface="Arial"/>
+                <a:cs typeface="Arial"/>
+                <a:sym typeface="Arial"/>
+              </a:rPr>
+              <a:t>Application (.NET 4.8)</a:t>
             </a:r>
           </a:p>
           <a:p>
@@ -10318,7 +10958,7 @@
 </p:sld>
 </file>
 
-<file path=ppt/slides/slide3.xml><?xml version="1.0" encoding="utf-8"?>
+<file path=ppt/slides/slide4.xml><?xml version="1.0" encoding="utf-8"?>
 <p:sld xmlns:a="http://schemas.openxmlformats.org/drawingml/2006/main" xmlns:r="http://schemas.openxmlformats.org/officeDocument/2006/relationships" xmlns:p="http://schemas.openxmlformats.org/presentationml/2006/main">
   <p:cSld>
     <p:bg>
@@ -10603,7 +11243,7 @@
 </p:sld>
 </file>
 
-<file path=ppt/slides/slide4.xml><?xml version="1.0" encoding="utf-8"?>
+<file path=ppt/slides/slide5.xml><?xml version="1.0" encoding="utf-8"?>
 <p:sld xmlns:a="http://schemas.openxmlformats.org/drawingml/2006/main" xmlns:r="http://schemas.openxmlformats.org/officeDocument/2006/relationships" xmlns:p="http://schemas.openxmlformats.org/presentationml/2006/main">
   <p:cSld>
     <p:bg>
@@ -11340,7 +11980,7 @@
 </p:sld>
 </file>
 
-<file path=ppt/slides/slide5.xml><?xml version="1.0" encoding="utf-8"?>
+<file path=ppt/slides/slide6.xml><?xml version="1.0" encoding="utf-8"?>
 <p:sld xmlns:a="http://schemas.openxmlformats.org/drawingml/2006/main" xmlns:r="http://schemas.openxmlformats.org/officeDocument/2006/relationships" xmlns:p="http://schemas.openxmlformats.org/presentationml/2006/main">
   <p:cSld>
     <p:bg>
@@ -11501,7 +12141,7 @@
 </p:sld>
 </file>
 
-<file path=ppt/slides/slide6.xml><?xml version="1.0" encoding="utf-8"?>
+<file path=ppt/slides/slide7.xml><?xml version="1.0" encoding="utf-8"?>
 <p:sld xmlns:a="http://schemas.openxmlformats.org/drawingml/2006/main" xmlns:r="http://schemas.openxmlformats.org/officeDocument/2006/relationships" xmlns:p="http://schemas.openxmlformats.org/presentationml/2006/main">
   <p:cSld>
     <p:bg>
@@ -12173,7 +12813,7 @@
 </p:sld>
 </file>
 
-<file path=ppt/slides/slide7.xml><?xml version="1.0" encoding="utf-8"?>
+<file path=ppt/slides/slide8.xml><?xml version="1.0" encoding="utf-8"?>
 <p:sld xmlns:a="http://schemas.openxmlformats.org/drawingml/2006/main" xmlns:r="http://schemas.openxmlformats.org/officeDocument/2006/relationships" xmlns:p="http://schemas.openxmlformats.org/presentationml/2006/main">
   <p:cSld>
     <p:bg>
@@ -12280,7 +12920,7 @@
 </p:sld>
 </file>
 
-<file path=ppt/slides/slide8.xml><?xml version="1.0" encoding="utf-8"?>
+<file path=ppt/slides/slide9.xml><?xml version="1.0" encoding="utf-8"?>
 <p:sld xmlns:a="http://schemas.openxmlformats.org/drawingml/2006/main" xmlns:r="http://schemas.openxmlformats.org/officeDocument/2006/relationships" xmlns:p="http://schemas.openxmlformats.org/presentationml/2006/main">
   <p:cSld>
     <p:bg>
@@ -12452,311 +13092,6 @@
     <p:extLst>
       <p:ext uri="{BB962C8B-B14F-4D97-AF65-F5344CB8AC3E}">
         <p14:creationId xmlns:p14="http://schemas.microsoft.com/office/powerpoint/2010/main" val="3978910201"/>
-      </p:ext>
-    </p:extLst>
-  </p:cSld>
-  <p:clrMapOvr>
-    <a:masterClrMapping/>
-  </p:clrMapOvr>
-</p:sld>
-</file>
-
-<file path=ppt/slides/slide9.xml><?xml version="1.0" encoding="utf-8"?>
-<p:sld xmlns:a="http://schemas.openxmlformats.org/drawingml/2006/main" xmlns:r="http://schemas.openxmlformats.org/officeDocument/2006/relationships" xmlns:p="http://schemas.openxmlformats.org/presentationml/2006/main">
-  <p:cSld>
-    <p:bg>
-      <p:bgPr>
-        <a:solidFill>
-          <a:schemeClr val="bg2">
-            <a:lumMod val="75000"/>
-          </a:schemeClr>
-        </a:solidFill>
-        <a:effectLst/>
-      </p:bgPr>
-    </p:bg>
-    <p:spTree>
-      <p:nvGrpSpPr>
-        <p:cNvPr id="1" name=""/>
-        <p:cNvGrpSpPr/>
-        <p:nvPr/>
-      </p:nvGrpSpPr>
-      <p:grpSpPr>
-        <a:xfrm>
-          <a:off x="0" y="0"/>
-          <a:ext cx="0" cy="0"/>
-          <a:chOff x="0" y="0"/>
-          <a:chExt cx="0" cy="0"/>
-        </a:xfrm>
-      </p:grpSpPr>
-      <p:sp>
-        <p:nvSpPr>
-          <p:cNvPr id="3" name="Content Placeholder 2">
-            <a:extLst>
-              <a:ext uri="{FF2B5EF4-FFF2-40B4-BE49-F238E27FC236}">
-                <a16:creationId xmlns:a16="http://schemas.microsoft.com/office/drawing/2014/main" id="{C68ADEFC-8DC2-392F-1B83-7B396D803617}"/>
-              </a:ext>
-            </a:extLst>
-          </p:cNvPr>
-          <p:cNvSpPr>
-            <a:spLocks noGrp="1"/>
-          </p:cNvSpPr>
-          <p:nvPr>
-            <p:ph idx="1"/>
-          </p:nvPr>
-        </p:nvSpPr>
-        <p:spPr/>
-        <p:txBody>
-          <a:bodyPr>
-            <a:normAutofit fontScale="85000" lnSpcReduction="20000"/>
-          </a:bodyPr>
-          <a:lstStyle/>
-          <a:p>
-            <a:r>
-              <a:rPr lang="en-US" dirty="0">
-                <a:solidFill>
-                  <a:schemeClr val="bg1"/>
-                </a:solidFill>
-              </a:rPr>
-              <a:t>7 Forms total</a:t>
-            </a:r>
-          </a:p>
-          <a:p>
-            <a:pPr lvl="1"/>
-            <a:r>
-              <a:rPr lang="en-US" dirty="0">
-                <a:solidFill>
-                  <a:schemeClr val="bg1"/>
-                </a:solidFill>
-              </a:rPr>
-              <a:t>Simple application </a:t>
-            </a:r>
-          </a:p>
-          <a:p>
-            <a:pPr lvl="1"/>
-            <a:r>
-              <a:rPr lang="en-US" dirty="0">
-                <a:solidFill>
-                  <a:schemeClr val="bg1"/>
-                </a:solidFill>
-              </a:rPr>
-              <a:t>3923 lines of source</a:t>
-            </a:r>
-          </a:p>
-          <a:p>
-            <a:pPr lvl="1"/>
-            <a:r>
-              <a:rPr lang="en-US" dirty="0">
-                <a:solidFill>
-                  <a:schemeClr val="bg1"/>
-                </a:solidFill>
-              </a:rPr>
-              <a:t>Has business logic and database logic </a:t>
-            </a:r>
-          </a:p>
-          <a:p>
-            <a:pPr lvl="2"/>
-            <a:r>
-              <a:rPr lang="en-US" dirty="0">
-                <a:solidFill>
-                  <a:schemeClr val="bg1"/>
-                </a:solidFill>
-              </a:rPr>
-              <a:t>Two SQL Server databases</a:t>
-            </a:r>
-          </a:p>
-          <a:p>
-            <a:pPr lvl="2"/>
-            <a:r>
-              <a:rPr lang="en-US" dirty="0">
-                <a:solidFill>
-                  <a:schemeClr val="bg1"/>
-                </a:solidFill>
-              </a:rPr>
-              <a:t>Five tables total</a:t>
-            </a:r>
-          </a:p>
-          <a:p>
-            <a:r>
-              <a:rPr lang="en-US" dirty="0">
-                <a:solidFill>
-                  <a:schemeClr val="bg1"/>
-                </a:solidFill>
-              </a:rPr>
-              <a:t>Uses mix of MS </a:t>
-            </a:r>
-            <a:r>
-              <a:rPr lang="en-US" dirty="0" err="1">
-                <a:solidFill>
-                  <a:schemeClr val="bg1"/>
-                </a:solidFill>
-              </a:rPr>
-              <a:t>EntityFramework</a:t>
-            </a:r>
-            <a:r>
-              <a:rPr lang="en-US" dirty="0">
-                <a:solidFill>
-                  <a:schemeClr val="bg1"/>
-                </a:solidFill>
-              </a:rPr>
-              <a:t> 6.4.4 and ADO.NET for illustrative purposes</a:t>
-            </a:r>
-          </a:p>
-          <a:p>
-            <a:r>
-              <a:rPr lang="en-US" dirty="0">
-                <a:solidFill>
-                  <a:schemeClr val="bg1"/>
-                </a:solidFill>
-              </a:rPr>
-              <a:t>Not well factored</a:t>
-            </a:r>
-          </a:p>
-          <a:p>
-            <a:pPr lvl="1"/>
-            <a:r>
-              <a:rPr lang="en-US" dirty="0">
-                <a:solidFill>
-                  <a:schemeClr val="bg1"/>
-                </a:solidFill>
-              </a:rPr>
-              <a:t>Used drag/drop EF databinding via VS EF Wizard</a:t>
-            </a:r>
-          </a:p>
-          <a:p>
-            <a:pPr lvl="1"/>
-            <a:r>
-              <a:rPr lang="en-US" dirty="0">
-                <a:solidFill>
-                  <a:schemeClr val="bg1"/>
-                </a:solidFill>
-              </a:rPr>
-              <a:t>Some pure ADO.NET (Account Form)</a:t>
-            </a:r>
-          </a:p>
-          <a:p>
-            <a:pPr lvl="1"/>
-            <a:r>
-              <a:rPr lang="en-US" dirty="0">
-                <a:solidFill>
-                  <a:schemeClr val="bg1"/>
-                </a:solidFill>
-              </a:rPr>
-              <a:t>Database logic mixed in with VB.NET form logic, with 4 separate “logic classes”</a:t>
-            </a:r>
-          </a:p>
-          <a:p>
-            <a:pPr lvl="1"/>
-            <a:r>
-              <a:rPr lang="en-US" dirty="0">
-                <a:solidFill>
-                  <a:schemeClr val="bg1"/>
-                </a:solidFill>
-              </a:rPr>
-              <a:t>No separation of tiers (UI, Business Layer, Database Layer)</a:t>
-            </a:r>
-          </a:p>
-          <a:p>
-            <a:r>
-              <a:rPr lang="en-US" dirty="0">
-                <a:solidFill>
-                  <a:schemeClr val="bg1"/>
-                </a:solidFill>
-              </a:rPr>
-              <a:t>Limited VB controls, but UI has some formatting</a:t>
-            </a:r>
-          </a:p>
-          <a:p>
-            <a:pPr lvl="1"/>
-            <a:r>
-              <a:rPr lang="en-US" dirty="0">
-                <a:solidFill>
-                  <a:schemeClr val="bg1"/>
-                </a:solidFill>
-              </a:rPr>
-              <a:t>Background images, colors, fonts, etc.</a:t>
-            </a:r>
-          </a:p>
-          <a:p>
-            <a:endParaRPr lang="en-US" dirty="0">
-              <a:solidFill>
-                <a:schemeClr val="bg1"/>
-              </a:solidFill>
-            </a:endParaRPr>
-          </a:p>
-        </p:txBody>
-      </p:sp>
-      <p:sp>
-        <p:nvSpPr>
-          <p:cNvPr id="4" name="Google Shape;182;p25">
-            <a:extLst>
-              <a:ext uri="{FF2B5EF4-FFF2-40B4-BE49-F238E27FC236}">
-                <a16:creationId xmlns:a16="http://schemas.microsoft.com/office/drawing/2014/main" id="{ACE5ED8C-794B-C63E-96CB-5A9CAD3F7FF2}"/>
-              </a:ext>
-            </a:extLst>
-          </p:cNvPr>
-          <p:cNvSpPr txBox="1">
-            <a:spLocks noGrp="1"/>
-          </p:cNvSpPr>
-          <p:nvPr>
-            <p:ph type="title"/>
-          </p:nvPr>
-        </p:nvSpPr>
-        <p:spPr>
-          <a:xfrm>
-            <a:off x="838200" y="365125"/>
-            <a:ext cx="10515600" cy="1325563"/>
-          </a:xfrm>
-          <a:prstGeom prst="rect">
-            <a:avLst/>
-          </a:prstGeom>
-          <a:noFill/>
-          <a:ln>
-            <a:noFill/>
-          </a:ln>
-        </p:spPr>
-        <p:txBody>
-          <a:bodyPr spcFirstLastPara="1" wrap="square" lIns="91425" tIns="45700" rIns="91425" bIns="45700" anchor="t" anchorCtr="0">
-            <a:noAutofit/>
-          </a:bodyPr>
-          <a:lstStyle/>
-          <a:p>
-            <a:pPr marL="0" lvl="0" indent="0" algn="l" rtl="0">
-              <a:lnSpc>
-                <a:spcPct val="100000"/>
-              </a:lnSpc>
-              <a:spcBef>
-                <a:spcPts val="0"/>
-              </a:spcBef>
-              <a:spcAft>
-                <a:spcPts val="0"/>
-              </a:spcAft>
-              <a:buClr>
-                <a:schemeClr val="lt2"/>
-              </a:buClr>
-              <a:buSzPts val="4200"/>
-              <a:buFont typeface="Century Gothic"/>
-              <a:buNone/>
-            </a:pPr>
-            <a:r>
-              <a:rPr lang="en-US" dirty="0">
-                <a:solidFill>
-                  <a:schemeClr val="bg1"/>
-                </a:solidFill>
-              </a:rPr>
-              <a:t>The Source VB.NET Application</a:t>
-            </a:r>
-            <a:endParaRPr dirty="0">
-              <a:solidFill>
-                <a:schemeClr val="bg1"/>
-              </a:solidFill>
-            </a:endParaRPr>
-          </a:p>
-        </p:txBody>
-      </p:sp>
-    </p:spTree>
-    <p:extLst>
-      <p:ext uri="{BB962C8B-B14F-4D97-AF65-F5344CB8AC3E}">
-        <p14:creationId xmlns:p14="http://schemas.microsoft.com/office/powerpoint/2010/main" val="2731065330"/>
       </p:ext>
     </p:extLst>
   </p:cSld>

--- a/wwwroot/GAPMoblize_Project_DryRun_2_27.pptx
+++ b/wwwroot/GAPMoblize_Project_DryRun_2_27.pptx
@@ -144,7 +144,7 @@
       <p15:sldGuideLst xmlns:p15="http://schemas.microsoft.com/office/powerpoint/2012/main"/>
     </p:ext>
     <p:ext uri="GoogleSlidesCustomDataVersion2">
-      <go:slidesCustomData xmlns="" xmlns:mc="http://schemas.openxmlformats.org/markup-compatibility/2006" xmlns:mv="urn:schemas-microsoft-com:mac:vml" xmlns:c="http://schemas.openxmlformats.org/drawingml/2006/chart" xmlns:dgm="http://schemas.openxmlformats.org/drawingml/2006/diagram" xmlns:o="urn:schemas-microsoft-com:office:office" xmlns:v="urn:schemas-microsoft-com:vml" xmlns:pvml="urn:schemas-microsoft-com:office:powerpoint" xmlns:com="http://schemas.openxmlformats.org/drawingml/2006/compatibility" xmlns:p14="http://schemas.microsoft.com/office/powerpoint/2010/main" xmlns:p15="http://schemas.microsoft.com/office/powerpoint/2012/main" xmlns:ahyp="http://schemas.microsoft.com/office/drawing/2018/hyperlinkcolor" xmlns:go="http://customooxmlschemas.google.com/" r:id="rId28" roundtripDataSignature="AMtx7mhGT3lbFy52I47qpUfcLgyjprfeZQ=="/>
+      <go:slidesCustomData xmlns:go="http://customooxmlschemas.google.com/" xmlns:ahyp="http://schemas.microsoft.com/office/drawing/2018/hyperlinkcolor" xmlns:p15="http://schemas.microsoft.com/office/powerpoint/2012/main" xmlns:p14="http://schemas.microsoft.com/office/powerpoint/2010/main" xmlns:com="http://schemas.openxmlformats.org/drawingml/2006/compatibility" xmlns:pvml="urn:schemas-microsoft-com:office:powerpoint" xmlns:v="urn:schemas-microsoft-com:vml" xmlns:o="urn:schemas-microsoft-com:office:office" xmlns:dgm="http://schemas.openxmlformats.org/drawingml/2006/diagram" xmlns:c="http://schemas.openxmlformats.org/drawingml/2006/chart" xmlns:mv="urn:schemas-microsoft-com:mac:vml" xmlns:mc="http://schemas.openxmlformats.org/markup-compatibility/2006" xmlns="" r:id="rId28" roundtripDataSignature="AMtx7mhGT3lbFy52I47qpUfcLgyjprfeZQ=="/>
     </p:ext>
   </p:extLst>
 </p:presentation>
@@ -163,7 +163,7 @@
   <pc:docChgLst>
     <pc:chgData name="Greg Leake" userId="32827faac32acba3" providerId="LiveId" clId="{8656EB85-3D90-49AE-A343-8BFE0CE0C18E}"/>
     <pc:docChg chg="undo custSel addSld delSld modSld">
-      <pc:chgData name="Greg Leake" userId="32827faac32acba3" providerId="LiveId" clId="{8656EB85-3D90-49AE-A343-8BFE0CE0C18E}" dt="2024-02-27T20:11:16.740" v="1056" actId="20577"/>
+      <pc:chgData name="Greg Leake" userId="32827faac32acba3" providerId="LiveId" clId="{8656EB85-3D90-49AE-A343-8BFE0CE0C18E}" dt="2024-02-27T20:31:53.466" v="1181" actId="20577"/>
       <pc:docMkLst>
         <pc:docMk/>
       </pc:docMkLst>
@@ -179,6 +179,29 @@
             <pc:docMk/>
             <pc:sldMk cId="0" sldId="257"/>
             <ac:spMk id="154" creationId="{00000000-0000-0000-0000-000000000000}"/>
+          </ac:spMkLst>
+        </pc:spChg>
+      </pc:sldChg>
+      <pc:sldChg chg="modSp mod">
+        <pc:chgData name="Greg Leake" userId="32827faac32acba3" providerId="LiveId" clId="{8656EB85-3D90-49AE-A343-8BFE0CE0C18E}" dt="2024-02-27T20:31:53.466" v="1181" actId="20577"/>
+        <pc:sldMkLst>
+          <pc:docMk/>
+          <pc:sldMk cId="3845844259" sldId="276"/>
+        </pc:sldMkLst>
+        <pc:spChg chg="mod">
+          <ac:chgData name="Greg Leake" userId="32827faac32acba3" providerId="LiveId" clId="{8656EB85-3D90-49AE-A343-8BFE0CE0C18E}" dt="2024-02-27T20:31:53.466" v="1181" actId="20577"/>
+          <ac:spMkLst>
+            <pc:docMk/>
+            <pc:sldMk cId="3845844259" sldId="276"/>
+            <ac:spMk id="3" creationId="{9FB25801-E72B-4942-7762-AFA9DDC5B687}"/>
+          </ac:spMkLst>
+        </pc:spChg>
+        <pc:spChg chg="mod">
+          <ac:chgData name="Greg Leake" userId="32827faac32acba3" providerId="LiveId" clId="{8656EB85-3D90-49AE-A343-8BFE0CE0C18E}" dt="2024-02-27T20:31:28.959" v="1174" actId="255"/>
+          <ac:spMkLst>
+            <pc:docMk/>
+            <pc:sldMk cId="3845844259" sldId="276"/>
+            <ac:spMk id="4" creationId="{A52303C7-A2E9-5975-D07B-0660F45E909B}"/>
           </ac:spMkLst>
         </pc:spChg>
       </pc:sldChg>
@@ -10622,29 +10645,7 @@
                 <a:cs typeface="Arial"/>
                 <a:sym typeface="Arial"/>
               </a:rPr>
-              <a:t>Start with a simple VB.</a:t>
-            </a:r>
-            <a:r>
-              <a:rPr lang="en-US" sz="1800" b="0" i="0" u="none" strike="noStrike">
-                <a:solidFill>
-                  <a:schemeClr val="bg1"/>
-                </a:solidFill>
-                <a:ea typeface="Arial"/>
-                <a:cs typeface="Arial"/>
-                <a:sym typeface="Arial"/>
-              </a:rPr>
-              <a:t>NET WinForms </a:t>
-            </a:r>
-            <a:r>
-              <a:rPr lang="en-US" sz="1800" b="0" i="0" u="none" strike="noStrike" dirty="0">
-                <a:solidFill>
-                  <a:schemeClr val="bg1"/>
-                </a:solidFill>
-                <a:ea typeface="Arial"/>
-                <a:cs typeface="Arial"/>
-                <a:sym typeface="Arial"/>
-              </a:rPr>
-              <a:t>Application (.NET 4.8)</a:t>
+              <a:t>Start with a simple VB.NET WinForms Application (.NET 4.8)</a:t>
             </a:r>
           </a:p>
           <a:p>
@@ -11326,7 +11327,7 @@
         </p:spPr>
         <p:txBody>
           <a:bodyPr>
-            <a:normAutofit fontScale="92500" lnSpcReduction="10000"/>
+            <a:normAutofit fontScale="85000" lnSpcReduction="20000"/>
           </a:bodyPr>
           <a:lstStyle/>
           <a:p>
@@ -11582,6 +11583,21 @@
                 </a:solidFill>
               </a:rPr>
               <a:t>Helped tremendously in DEBUG/runtime fixing   (never had to use an external help forum)</a:t>
+            </a:r>
+          </a:p>
+          <a:p>
+            <a:pPr lvl="1">
+              <a:lnSpc>
+                <a:spcPct val="100000"/>
+              </a:lnSpc>
+            </a:pPr>
+            <a:r>
+              <a:rPr lang="en-US" sz="1600" dirty="0">
+                <a:solidFill>
+                  <a:schemeClr val="bg1"/>
+                </a:solidFill>
+              </a:rPr>
+              <a:t>Presumably, could migrate this to Python, or an Angular/Node.JS app, or pick your target!  HUGE!</a:t>
             </a:r>
           </a:p>
           <a:p>
@@ -11769,12 +11785,20 @@
               </a:lnSpc>
             </a:pPr>
             <a:r>
+              <a:rPr lang="en-US" sz="1400" dirty="0">
+                <a:solidFill>
+                  <a:schemeClr val="bg1"/>
+                </a:solidFill>
+              </a:rPr>
+              <a:t>Cannot</a:t>
+            </a:r>
+            <a:r>
               <a:rPr lang="en-US" sz="1500" dirty="0">
                 <a:solidFill>
                   <a:schemeClr val="bg1"/>
                 </a:solidFill>
               </a:rPr>
-              <a:t>Cannot get holistic view of project—lead to many manual fixups (examples:  using statements, namespaces, exact class property names)</a:t>
+              <a:t> get holistic view of project—lead to many manual fixups (examples:  using statements, namespaces, exact class property names)</a:t>
             </a:r>
           </a:p>
           <a:p>
